--- a/002Introduction to css.pptx
+++ b/002Introduction to css.pptx
@@ -5,7 +5,7 @@
     <p:sldMasterId id="2147483648" r:id="rId1"/>
   </p:sldMasterIdLst>
   <p:notesMasterIdLst>
-    <p:notesMasterId r:id="rId10"/>
+    <p:notesMasterId r:id="rId13"/>
   </p:notesMasterIdLst>
   <p:sldIdLst>
     <p:sldId id="256" r:id="rId4"/>
@@ -14,6 +14,9 @@
     <p:sldId id="259" r:id="rId7"/>
     <p:sldId id="260" r:id="rId8"/>
     <p:sldId id="261" r:id="rId9"/>
+    <p:sldId id="262" r:id="rId10"/>
+    <p:sldId id="263" r:id="rId11"/>
+    <p:sldId id="264" r:id="rId12"/>
   </p:sldIdLst>
   <p:sldSz cx="12192000" cy="6858000"/>
   <p:notesSz cx="12192000" cy="6858000"/>
@@ -504,7 +507,7 @@
             <a:pPr>
               <a:defRPr/>
             </a:pPr>
-            <a:fld id="{A9CB971A-860B-5081-01ED-943A0A02EC02}" type="slidenum">
+            <a:fld id="{9957119E-700A-80B8-8ADA-4096EA9CB95A}" type="slidenum">
               <a:rPr/>
               <a:t/>
             </a:fld>
@@ -782,7 +785,7 @@
       </p:grpSpPr>
       <p:sp>
         <p:nvSpPr>
-          <p:cNvPr id="1943957970" name="Slide Image Placeholder 1"/>
+          <p:cNvPr id="1717365975" name="Slide Image Placeholder 1"/>
           <p:cNvSpPr>
             <a:spLocks noChangeAspect="1" noGrp="1" noRot="1"/>
           </p:cNvSpPr>
@@ -794,7 +797,7 @@
       </p:sp>
       <p:sp>
         <p:nvSpPr>
-          <p:cNvPr id="1993980665" name="Notes Placeholder 2"/>
+          <p:cNvPr id="1471615579" name="Notes Placeholder 2"/>
           <p:cNvSpPr>
             <a:spLocks noGrp="1"/>
           </p:cNvSpPr>
@@ -816,7 +819,7 @@
       </p:sp>
       <p:sp>
         <p:nvSpPr>
-          <p:cNvPr id="1027968263" name="Slide Number Placeholder 3"/>
+          <p:cNvPr id="1212499204" name="Slide Number Placeholder 3"/>
           <p:cNvSpPr>
             <a:spLocks noGrp="1"/>
           </p:cNvSpPr>
@@ -832,7 +835,7 @@
             <a:pPr>
               <a:defRPr/>
             </a:pPr>
-            <a:fld id="{575B4F2E-3311-FBCF-5578-17B042512DEF}" type="slidenum">
+            <a:fld id="{CBF6E2B2-D6E6-6875-815E-8ACED67D21C0}" type="slidenum">
               <a:rPr/>
               <a:t/>
             </a:fld>
@@ -864,7 +867,7 @@
       </p:grpSpPr>
       <p:sp>
         <p:nvSpPr>
-          <p:cNvPr id="819778160" name="Slide Image Placeholder 1"/>
+          <p:cNvPr id="1943957970" name="Slide Image Placeholder 1"/>
           <p:cNvSpPr>
             <a:spLocks noChangeAspect="1" noGrp="1" noRot="1"/>
           </p:cNvSpPr>
@@ -876,7 +879,7 @@
       </p:sp>
       <p:sp>
         <p:nvSpPr>
-          <p:cNvPr id="738756375" name="Notes Placeholder 2"/>
+          <p:cNvPr id="1993980665" name="Notes Placeholder 2"/>
           <p:cNvSpPr>
             <a:spLocks noGrp="1"/>
           </p:cNvSpPr>
@@ -898,7 +901,7 @@
       </p:sp>
       <p:sp>
         <p:nvSpPr>
-          <p:cNvPr id="1056928808" name="Slide Number Placeholder 3"/>
+          <p:cNvPr id="1027968263" name="Slide Number Placeholder 3"/>
           <p:cNvSpPr>
             <a:spLocks noGrp="1"/>
           </p:cNvSpPr>
@@ -914,7 +917,253 @@
             <a:pPr>
               <a:defRPr/>
             </a:pPr>
+            <a:fld id="{575B4F2E-3311-FBCF-5578-17B042512DEF}" type="slidenum">
+              <a:rPr/>
+              <a:t/>
+            </a:fld>
+            <a:endParaRPr/>
+          </a:p>
+        </p:txBody>
+      </p:sp>
+    </p:spTree>
+  </p:cSld>
+</p:notes>
+</file>
+
+<file path=ppt/notesSlides/notesSlide7.xml><?xml version="1.0" encoding="utf-8"?>
+<p:notes xmlns:a="http://schemas.openxmlformats.org/drawingml/2006/main" xmlns:r="http://schemas.openxmlformats.org/officeDocument/2006/relationships" xmlns:p="http://schemas.openxmlformats.org/presentationml/2006/main" xmlns:m="http://schemas.openxmlformats.org/officeDocument/2006/math" xmlns:w="http://schemas.openxmlformats.org/wordprocessingml/2006/main">
+  <p:cSld name="">
+    <p:spTree>
+      <p:nvGrpSpPr>
+        <p:cNvPr id="1" name=""/>
+        <p:cNvGrpSpPr/>
+        <p:nvPr/>
+      </p:nvGrpSpPr>
+      <p:grpSpPr bwMode="auto">
+        <a:xfrm>
+          <a:off x="0" y="0"/>
+          <a:ext cx="0" cy="0"/>
+          <a:chOff x="0" y="0"/>
+          <a:chExt cx="0" cy="0"/>
+        </a:xfrm>
+      </p:grpSpPr>
+      <p:sp>
+        <p:nvSpPr>
+          <p:cNvPr id="819778160" name="Slide Image Placeholder 1"/>
+          <p:cNvSpPr>
+            <a:spLocks noChangeAspect="1" noGrp="1" noRot="1"/>
+          </p:cNvSpPr>
+          <p:nvPr>
+            <p:ph type="sldImg"/>
+          </p:nvPr>
+        </p:nvSpPr>
+        <p:spPr bwMode="auto"/>
+      </p:sp>
+      <p:sp>
+        <p:nvSpPr>
+          <p:cNvPr id="738756375" name="Notes Placeholder 2"/>
+          <p:cNvSpPr>
+            <a:spLocks noGrp="1"/>
+          </p:cNvSpPr>
+          <p:nvPr>
+            <p:ph type="body" idx="1"/>
+          </p:nvPr>
+        </p:nvSpPr>
+        <p:spPr bwMode="auto"/>
+        <p:txBody>
+          <a:bodyPr/>
+          <a:lstStyle/>
+          <a:p>
+            <a:pPr>
+              <a:defRPr/>
+            </a:pPr>
+            <a:endParaRPr/>
+          </a:p>
+        </p:txBody>
+      </p:sp>
+      <p:sp>
+        <p:nvSpPr>
+          <p:cNvPr id="1056928808" name="Slide Number Placeholder 3"/>
+          <p:cNvSpPr>
+            <a:spLocks noGrp="1"/>
+          </p:cNvSpPr>
+          <p:nvPr>
+            <p:ph type="sldNum" sz="quarter" idx="10"/>
+          </p:nvPr>
+        </p:nvSpPr>
+        <p:spPr bwMode="auto"/>
+        <p:txBody>
+          <a:bodyPr/>
+          <a:lstStyle/>
+          <a:p>
+            <a:pPr>
+              <a:defRPr/>
+            </a:pPr>
             <a:fld id="{12EED2C1-BCD1-4928-5C25-DB77CC2D71FC}" type="slidenum">
+              <a:rPr/>
+              <a:t/>
+            </a:fld>
+            <a:endParaRPr/>
+          </a:p>
+        </p:txBody>
+      </p:sp>
+    </p:spTree>
+  </p:cSld>
+</p:notes>
+</file>
+
+<file path=ppt/notesSlides/notesSlide8.xml><?xml version="1.0" encoding="utf-8"?>
+<p:notes xmlns:a="http://schemas.openxmlformats.org/drawingml/2006/main" xmlns:r="http://schemas.openxmlformats.org/officeDocument/2006/relationships" xmlns:p="http://schemas.openxmlformats.org/presentationml/2006/main" xmlns:m="http://schemas.openxmlformats.org/officeDocument/2006/math" xmlns:w="http://schemas.openxmlformats.org/wordprocessingml/2006/main">
+  <p:cSld name="">
+    <p:spTree>
+      <p:nvGrpSpPr>
+        <p:cNvPr id="1" name=""/>
+        <p:cNvGrpSpPr/>
+        <p:nvPr/>
+      </p:nvGrpSpPr>
+      <p:grpSpPr bwMode="auto">
+        <a:xfrm>
+          <a:off x="0" y="0"/>
+          <a:ext cx="0" cy="0"/>
+          <a:chOff x="0" y="0"/>
+          <a:chExt cx="0" cy="0"/>
+        </a:xfrm>
+      </p:grpSpPr>
+      <p:sp>
+        <p:nvSpPr>
+          <p:cNvPr id="1534375619" name="Slide Image Placeholder 1"/>
+          <p:cNvSpPr>
+            <a:spLocks noChangeAspect="1" noGrp="1" noRot="1"/>
+          </p:cNvSpPr>
+          <p:nvPr>
+            <p:ph type="sldImg"/>
+          </p:nvPr>
+        </p:nvSpPr>
+        <p:spPr bwMode="auto"/>
+      </p:sp>
+      <p:sp>
+        <p:nvSpPr>
+          <p:cNvPr id="1547619982" name="Notes Placeholder 2"/>
+          <p:cNvSpPr>
+            <a:spLocks noGrp="1"/>
+          </p:cNvSpPr>
+          <p:nvPr>
+            <p:ph type="body" idx="1"/>
+          </p:nvPr>
+        </p:nvSpPr>
+        <p:spPr bwMode="auto"/>
+        <p:txBody>
+          <a:bodyPr/>
+          <a:lstStyle/>
+          <a:p>
+            <a:pPr>
+              <a:defRPr/>
+            </a:pPr>
+            <a:endParaRPr/>
+          </a:p>
+        </p:txBody>
+      </p:sp>
+      <p:sp>
+        <p:nvSpPr>
+          <p:cNvPr id="358685178" name="Slide Number Placeholder 3"/>
+          <p:cNvSpPr>
+            <a:spLocks noGrp="1"/>
+          </p:cNvSpPr>
+          <p:nvPr>
+            <p:ph type="sldNum" sz="quarter" idx="10"/>
+          </p:nvPr>
+        </p:nvSpPr>
+        <p:spPr bwMode="auto"/>
+        <p:txBody>
+          <a:bodyPr/>
+          <a:lstStyle/>
+          <a:p>
+            <a:pPr>
+              <a:defRPr/>
+            </a:pPr>
+            <a:fld id="{1017FEF3-C615-EF06-DB1F-D5864F00536A}" type="slidenum">
+              <a:rPr/>
+              <a:t/>
+            </a:fld>
+            <a:endParaRPr/>
+          </a:p>
+        </p:txBody>
+      </p:sp>
+    </p:spTree>
+  </p:cSld>
+</p:notes>
+</file>
+
+<file path=ppt/notesSlides/notesSlide9.xml><?xml version="1.0" encoding="utf-8"?>
+<p:notes xmlns:a="http://schemas.openxmlformats.org/drawingml/2006/main" xmlns:r="http://schemas.openxmlformats.org/officeDocument/2006/relationships" xmlns:p="http://schemas.openxmlformats.org/presentationml/2006/main" xmlns:m="http://schemas.openxmlformats.org/officeDocument/2006/math" xmlns:w="http://schemas.openxmlformats.org/wordprocessingml/2006/main">
+  <p:cSld name="">
+    <p:spTree>
+      <p:nvGrpSpPr>
+        <p:cNvPr id="1" name=""/>
+        <p:cNvGrpSpPr/>
+        <p:nvPr/>
+      </p:nvGrpSpPr>
+      <p:grpSpPr bwMode="auto">
+        <a:xfrm>
+          <a:off x="0" y="0"/>
+          <a:ext cx="0" cy="0"/>
+          <a:chOff x="0" y="0"/>
+          <a:chExt cx="0" cy="0"/>
+        </a:xfrm>
+      </p:grpSpPr>
+      <p:sp>
+        <p:nvSpPr>
+          <p:cNvPr id="670343841" name="Slide Image Placeholder 1"/>
+          <p:cNvSpPr>
+            <a:spLocks noChangeAspect="1" noGrp="1" noRot="1"/>
+          </p:cNvSpPr>
+          <p:nvPr>
+            <p:ph type="sldImg"/>
+          </p:nvPr>
+        </p:nvSpPr>
+        <p:spPr bwMode="auto"/>
+      </p:sp>
+      <p:sp>
+        <p:nvSpPr>
+          <p:cNvPr id="1721353222" name="Notes Placeholder 2"/>
+          <p:cNvSpPr>
+            <a:spLocks noGrp="1"/>
+          </p:cNvSpPr>
+          <p:nvPr>
+            <p:ph type="body" idx="1"/>
+          </p:nvPr>
+        </p:nvSpPr>
+        <p:spPr bwMode="auto"/>
+        <p:txBody>
+          <a:bodyPr/>
+          <a:lstStyle/>
+          <a:p>
+            <a:pPr>
+              <a:defRPr/>
+            </a:pPr>
+            <a:endParaRPr/>
+          </a:p>
+        </p:txBody>
+      </p:sp>
+      <p:sp>
+        <p:nvSpPr>
+          <p:cNvPr id="252414397" name="Slide Number Placeholder 3"/>
+          <p:cNvSpPr>
+            <a:spLocks noGrp="1"/>
+          </p:cNvSpPr>
+          <p:nvPr>
+            <p:ph type="sldNum" sz="quarter" idx="10"/>
+          </p:nvPr>
+        </p:nvSpPr>
+        <p:spPr bwMode="auto"/>
+        <p:txBody>
+          <a:bodyPr/>
+          <a:lstStyle/>
+          <a:p>
+            <a:pPr>
+              <a:defRPr/>
+            </a:pPr>
+            <a:fld id="{EDA26128-8787-F3DF-FA6F-6701C79C77EE}" type="slidenum">
               <a:rPr/>
               <a:t/>
             </a:fld>
@@ -5517,7 +5766,7 @@
         <p:spPr bwMode="auto"/>
         <p:txBody>
           <a:bodyPr vertOverflow="overflow" horzOverflow="overflow" vert="horz" wrap="square" lIns="91440" tIns="45720" rIns="91440" bIns="45720" numCol="1" spcCol="0" rtlCol="0" fromWordArt="0" anchor="t" anchorCtr="0" forceAA="0" upright="0" compatLnSpc="0">
-            <a:normAutofit fontScale="95000" lnSpcReduction="1000"/>
+            <a:normAutofit/>
           </a:bodyPr>
           <a:lstStyle/>
           <a:p>
@@ -5532,44 +5781,21 @@
                   </a:schemeClr>
                 </a:solidFill>
               </a:rPr>
+              <a:t>Attribute </a:t>
+            </a:r>
+            <a:r>
+              <a:rPr lang="en-US" sz="2800" b="0" i="0" u="none" strike="noStrike" cap="none" spc="0">
+                <a:solidFill>
+                  <a:schemeClr val="bg1">
+                    <a:lumMod val="95000"/>
+                  </a:schemeClr>
+                </a:solidFill>
+                <a:latin typeface="+mn-lt"/>
+                <a:ea typeface="+mn-ea"/>
+                <a:cs typeface="+mn-cs"/>
+              </a:rPr>
               <a:t>Selector</a:t>
             </a:r>
-            <a:endParaRPr>
-              <a:solidFill>
-                <a:schemeClr val="bg1">
-                  <a:lumMod val="95000"/>
-                </a:schemeClr>
-              </a:solidFill>
-            </a:endParaRPr>
-          </a:p>
-          <a:p>
-            <a:pPr>
-              <a:defRPr/>
-            </a:pPr>
-            <a:endParaRPr>
-              <a:solidFill>
-                <a:schemeClr val="bg1">
-                  <a:lumMod val="95000"/>
-                </a:schemeClr>
-              </a:solidFill>
-            </a:endParaRPr>
-          </a:p>
-          <a:p>
-            <a:pPr>
-              <a:defRPr/>
-            </a:pPr>
-            <a:endParaRPr>
-              <a:solidFill>
-                <a:schemeClr val="bg1">
-                  <a:lumMod val="95000"/>
-                </a:schemeClr>
-              </a:solidFill>
-            </a:endParaRPr>
-          </a:p>
-          <a:p>
-            <a:pPr>
-              <a:defRPr/>
-            </a:pPr>
             <a:endParaRPr>
               <a:solidFill>
                 <a:schemeClr val="bg1">
@@ -5681,94 +5907,6 @@
                 </a:schemeClr>
               </a:solidFill>
             </a:endParaRPr>
-          </a:p>
-        </p:txBody>
-      </p:sp>
-      <p:sp>
-        <p:nvSpPr>
-          <p:cNvPr id="15725619" name=""/>
-          <p:cNvSpPr/>
-          <p:nvPr/>
-        </p:nvSpPr>
-        <p:spPr bwMode="auto">
-          <a:xfrm flipH="0" flipV="0">
-            <a:off x="1030649" y="2377439"/>
-            <a:ext cx="5660009" cy="1280520"/>
-          </a:xfrm>
-        </p:spPr>
-        <p:txBody>
-          <a:bodyPr rot="0" spcFirstLastPara="0" vertOverflow="overflow" horzOverflow="overflow" vert="horz" wrap="square" lIns="91440" tIns="45720" rIns="91440" bIns="45720" numCol="1" spcCol="0" rtlCol="0" fromWordArt="0" anchor="t" anchorCtr="0" forceAA="0" upright="0" compatLnSpc="1">
-            <a:prstTxWarp prst="textNoShape"/>
-            <a:spAutoFit/>
-          </a:bodyPr>
-          <a:p>
-            <a:pPr>
-              <a:defRPr/>
-            </a:pPr>
-            <a:r>
-              <a:rPr sz="2600" b="0" i="0" u="none">
-                <a:solidFill>
-                  <a:srgbClr val="A9B7C6"/>
-                </a:solidFill>
-                <a:latin typeface="Arial"/>
-                <a:ea typeface="Arial"/>
-                <a:cs typeface="Arial"/>
-              </a:rPr>
-              <a:t>selector {</a:t>
-            </a:r>
-            <a:r>
-              <a:rPr sz="2600" b="0" i="0" u="none">
-                <a:solidFill>
-                  <a:srgbClr val="A9B7C6"/>
-                </a:solidFill>
-                <a:latin typeface="Arial"/>
-                <a:ea typeface="Arial"/>
-                <a:cs typeface="Arial"/>
-              </a:rPr>
-              <a:t>	</a:t>
-            </a:r>
-            <a:endParaRPr sz="2600" b="0" i="0" u="none">
-              <a:solidFill>
-                <a:srgbClr val="A9B7C6"/>
-              </a:solidFill>
-              <a:latin typeface="Arial"/>
-              <a:ea typeface="Arial"/>
-              <a:cs typeface="Arial"/>
-            </a:endParaRPr>
-          </a:p>
-          <a:p>
-            <a:pPr>
-              <a:defRPr/>
-            </a:pPr>
-            <a:r>
-              <a:rPr sz="2600" b="0" i="0" u="none">
-                <a:solidFill>
-                  <a:srgbClr val="A9B7C6"/>
-                </a:solidFill>
-                <a:latin typeface="Arial"/>
-                <a:ea typeface="Arial"/>
-                <a:cs typeface="Arial"/>
-              </a:rPr>
-              <a:t>	property: value;</a:t>
-            </a:r>
-            <a:endParaRPr sz="3600"/>
-          </a:p>
-          <a:p>
-            <a:pPr>
-              <a:defRPr/>
-            </a:pPr>
-            <a:r>
-              <a:rPr sz="2600" b="0" i="0" u="none">
-                <a:solidFill>
-                  <a:srgbClr val="A9B7C6"/>
-                </a:solidFill>
-                <a:latin typeface="Arial"/>
-                <a:ea typeface="Arial"/>
-                <a:cs typeface="Arial"/>
-              </a:rPr>
-              <a:t>}</a:t>
-            </a:r>
-            <a:endParaRPr sz="3600"/>
           </a:p>
         </p:txBody>
       </p:sp>
@@ -5814,7 +5952,7 @@
       </p:grpSpPr>
       <p:sp>
         <p:nvSpPr>
-          <p:cNvPr id="1786247110" name="Title 1"/>
+          <p:cNvPr id="1400176733" name="Title 1"/>
           <p:cNvSpPr>
             <a:spLocks noGrp="1"/>
           </p:cNvSpPr>
@@ -5833,6 +5971,19 @@
               </a:lnSpc>
               <a:defRPr/>
             </a:pPr>
+            <a:r>
+              <a:rPr lang="en-US" sz="4400" b="0" i="0" u="sng" strike="noStrike" cap="none" spc="0">
+                <a:solidFill>
+                  <a:schemeClr val="bg1">
+                    <a:lumMod val="95000"/>
+                  </a:schemeClr>
+                </a:solidFill>
+                <a:latin typeface="Open Sans"/>
+                <a:ea typeface="Open Sans"/>
+                <a:cs typeface="Open Sans"/>
+              </a:rPr>
+              <a:t>What is</a:t>
+            </a:r>
             <a:r>
               <a:rPr sz="4400" u="sng">
                 <a:solidFill>
@@ -5844,7 +5995,7 @@
                 <a:latin typeface="Open Sans"/>
                 <a:cs typeface="Open Sans"/>
               </a:rPr>
-              <a:t>Comments</a:t>
+              <a:t> CSS?</a:t>
             </a:r>
             <a:endParaRPr sz="4400" u="sng">
               <a:solidFill>
@@ -5860,7 +6011,7 @@
       </p:sp>
       <p:sp>
         <p:nvSpPr>
-          <p:cNvPr id="418190841" name="Content Placeholder 2"/>
+          <p:cNvPr id="1759353383" name="Content Placeholder 2"/>
           <p:cNvSpPr>
             <a:spLocks noGrp="1"/>
           </p:cNvSpPr>
@@ -6058,6 +6209,30 @@
           </a:p>
         </p:txBody>
       </p:sp>
+      <p:pic>
+        <p:nvPicPr>
+          <p:cNvPr id="1650965772" name=""/>
+          <p:cNvPicPr>
+            <a:picLocks noChangeAspect="1"/>
+          </p:cNvPicPr>
+          <p:nvPr>
+            <p:ph idx="1"/>
+          </p:nvPr>
+        </p:nvPicPr>
+        <p:blipFill>
+          <a:blip r:embed="rId3"/>
+          <a:stretch/>
+        </p:blipFill>
+        <p:spPr bwMode="auto">
+          <a:xfrm rot="0">
+            <a:off x="2243252" y="1825624"/>
+            <a:ext cx="7705494" cy="4351338"/>
+          </a:xfrm>
+          <a:prstGeom prst="rect">
+            <a:avLst/>
+          </a:prstGeom>
+        </p:spPr>
+      </p:pic>
     </p:spTree>
   </p:cSld>
   <p:clrMapOvr>
@@ -6100,7 +6275,7 @@
       </p:grpSpPr>
       <p:sp>
         <p:nvSpPr>
-          <p:cNvPr id="878614669" name="Title 1"/>
+          <p:cNvPr id="1786247110" name="Title 1"/>
           <p:cNvSpPr>
             <a:spLocks noGrp="1"/>
           </p:cNvSpPr>
@@ -6119,18 +6294,6 @@
               </a:lnSpc>
               <a:defRPr/>
             </a:pPr>
-            <a:r>
-              <a:rPr sz="4400" u="sng">
-                <a:solidFill>
-                  <a:schemeClr val="bg1">
-                    <a:lumMod val="95000"/>
-                  </a:schemeClr>
-                </a:solidFill>
-                <a:latin typeface="Open Sans"/>
-                <a:cs typeface="Open Sans"/>
-              </a:rPr>
-              <a:t>CSS</a:t>
-            </a:r>
             <a:r>
               <a:rPr sz="4400" u="sng">
                 <a:solidFill>
@@ -6142,7 +6305,7 @@
                 <a:latin typeface="Open Sans"/>
                 <a:cs typeface="Open Sans"/>
               </a:rPr>
-              <a:t> Inheritance</a:t>
+              <a:t>Comments</a:t>
             </a:r>
             <a:endParaRPr sz="4400" u="sng">
               <a:solidFill>
@@ -6158,7 +6321,945 @@
       </p:sp>
       <p:sp>
         <p:nvSpPr>
+          <p:cNvPr id="418190841" name="Content Placeholder 2"/>
+          <p:cNvSpPr>
+            <a:spLocks noGrp="1"/>
+          </p:cNvSpPr>
+          <p:nvPr/>
+        </p:nvSpPr>
+        <p:spPr bwMode="auto">
+          <a:xfrm>
+            <a:off x="782166" y="1769591"/>
+            <a:ext cx="10515600" cy="4351338"/>
+          </a:xfrm>
+        </p:spPr>
+        <p:txBody>
+          <a:bodyPr vert="horz" lIns="91440" tIns="45720" rIns="91440" bIns="45720" rtlCol="0">
+            <a:normAutofit/>
+          </a:bodyPr>
+          <a:lstStyle>
+            <a:lvl1pPr marL="0" indent="0" algn="ctr" defTabSz="914400">
+              <a:lnSpc>
+                <a:spcPct val="90000"/>
+              </a:lnSpc>
+              <a:spcBef>
+                <a:spcPts val="996"/>
+              </a:spcBef>
+              <a:buFont typeface="Arial"/>
+              <a:buNone/>
+              <a:defRPr sz="2400">
+                <a:solidFill>
+                  <a:schemeClr val="tx1"/>
+                </a:solidFill>
+                <a:latin typeface="+mn-lt"/>
+                <a:ea typeface="+mn-ea"/>
+                <a:cs typeface="+mn-cs"/>
+              </a:defRPr>
+            </a:lvl1pPr>
+            <a:lvl2pPr marL="457200" indent="0" algn="ctr" defTabSz="914400">
+              <a:lnSpc>
+                <a:spcPct val="90000"/>
+              </a:lnSpc>
+              <a:spcBef>
+                <a:spcPts val="496"/>
+              </a:spcBef>
+              <a:buFont typeface="Arial"/>
+              <a:buNone/>
+              <a:defRPr sz="2000">
+                <a:solidFill>
+                  <a:schemeClr val="tx1"/>
+                </a:solidFill>
+                <a:latin typeface="+mn-lt"/>
+                <a:ea typeface="+mn-ea"/>
+                <a:cs typeface="+mn-cs"/>
+              </a:defRPr>
+            </a:lvl2pPr>
+            <a:lvl3pPr marL="914400" indent="0" algn="ctr" defTabSz="914400">
+              <a:lnSpc>
+                <a:spcPct val="90000"/>
+              </a:lnSpc>
+              <a:spcBef>
+                <a:spcPts val="496"/>
+              </a:spcBef>
+              <a:buFont typeface="Arial"/>
+              <a:buNone/>
+              <a:defRPr sz="1800">
+                <a:solidFill>
+                  <a:schemeClr val="tx1"/>
+                </a:solidFill>
+                <a:latin typeface="+mn-lt"/>
+                <a:ea typeface="+mn-ea"/>
+                <a:cs typeface="+mn-cs"/>
+              </a:defRPr>
+            </a:lvl3pPr>
+            <a:lvl4pPr marL="1371600" indent="0" algn="ctr" defTabSz="914400">
+              <a:lnSpc>
+                <a:spcPct val="90000"/>
+              </a:lnSpc>
+              <a:spcBef>
+                <a:spcPts val="496"/>
+              </a:spcBef>
+              <a:buFont typeface="Arial"/>
+              <a:buNone/>
+              <a:defRPr sz="1600">
+                <a:solidFill>
+                  <a:schemeClr val="tx1"/>
+                </a:solidFill>
+                <a:latin typeface="+mn-lt"/>
+                <a:ea typeface="+mn-ea"/>
+                <a:cs typeface="+mn-cs"/>
+              </a:defRPr>
+            </a:lvl4pPr>
+            <a:lvl5pPr marL="1828800" indent="0" algn="ctr" defTabSz="914400">
+              <a:lnSpc>
+                <a:spcPct val="90000"/>
+              </a:lnSpc>
+              <a:spcBef>
+                <a:spcPts val="496"/>
+              </a:spcBef>
+              <a:buFont typeface="Arial"/>
+              <a:buNone/>
+              <a:defRPr sz="1600">
+                <a:solidFill>
+                  <a:schemeClr val="tx1"/>
+                </a:solidFill>
+                <a:latin typeface="+mn-lt"/>
+                <a:ea typeface="+mn-ea"/>
+                <a:cs typeface="+mn-cs"/>
+              </a:defRPr>
+            </a:lvl5pPr>
+            <a:lvl6pPr marL="2286000" indent="0" algn="ctr" defTabSz="914400">
+              <a:lnSpc>
+                <a:spcPct val="90000"/>
+              </a:lnSpc>
+              <a:spcBef>
+                <a:spcPts val="496"/>
+              </a:spcBef>
+              <a:buFont typeface="Arial"/>
+              <a:buNone/>
+              <a:defRPr sz="1600">
+                <a:solidFill>
+                  <a:schemeClr val="tx1"/>
+                </a:solidFill>
+                <a:latin typeface="+mn-lt"/>
+                <a:ea typeface="+mn-ea"/>
+                <a:cs typeface="+mn-cs"/>
+              </a:defRPr>
+            </a:lvl6pPr>
+            <a:lvl7pPr marL="2743200" indent="0" algn="ctr" defTabSz="914400">
+              <a:lnSpc>
+                <a:spcPct val="90000"/>
+              </a:lnSpc>
+              <a:spcBef>
+                <a:spcPts val="496"/>
+              </a:spcBef>
+              <a:buFont typeface="Arial"/>
+              <a:buNone/>
+              <a:defRPr sz="1600">
+                <a:solidFill>
+                  <a:schemeClr val="tx1"/>
+                </a:solidFill>
+                <a:latin typeface="+mn-lt"/>
+                <a:ea typeface="+mn-ea"/>
+                <a:cs typeface="+mn-cs"/>
+              </a:defRPr>
+            </a:lvl7pPr>
+            <a:lvl8pPr marL="3200400" indent="0" algn="ctr" defTabSz="914400">
+              <a:lnSpc>
+                <a:spcPct val="90000"/>
+              </a:lnSpc>
+              <a:spcBef>
+                <a:spcPts val="496"/>
+              </a:spcBef>
+              <a:buFont typeface="Arial"/>
+              <a:buNone/>
+              <a:defRPr sz="1600">
+                <a:solidFill>
+                  <a:schemeClr val="tx1"/>
+                </a:solidFill>
+                <a:latin typeface="+mn-lt"/>
+                <a:ea typeface="+mn-ea"/>
+                <a:cs typeface="+mn-cs"/>
+              </a:defRPr>
+            </a:lvl8pPr>
+            <a:lvl9pPr marL="3657600" indent="0" algn="ctr" defTabSz="914400">
+              <a:lnSpc>
+                <a:spcPct val="90000"/>
+              </a:lnSpc>
+              <a:spcBef>
+                <a:spcPts val="496"/>
+              </a:spcBef>
+              <a:buFont typeface="Arial"/>
+              <a:buNone/>
+              <a:defRPr sz="1600">
+                <a:solidFill>
+                  <a:schemeClr val="tx1"/>
+                </a:solidFill>
+                <a:latin typeface="+mn-lt"/>
+                <a:ea typeface="+mn-ea"/>
+                <a:cs typeface="+mn-cs"/>
+              </a:defRPr>
+            </a:lvl9pPr>
+          </a:lstStyle>
+          <a:p>
+            <a:pPr marL="0" indent="0" algn="l">
+              <a:buFont typeface="Arial"/>
+              <a:buNone/>
+              <a:defRPr/>
+            </a:pPr>
+            <a:endParaRPr>
+              <a:solidFill>
+                <a:schemeClr val="bg1">
+                  <a:lumMod val="95000"/>
+                </a:schemeClr>
+              </a:solidFill>
+              <a:latin typeface="Open Sans"/>
+              <a:cs typeface="Open Sans"/>
+            </a:endParaRPr>
+          </a:p>
+        </p:txBody>
+      </p:sp>
+    </p:spTree>
+  </p:cSld>
+  <p:clrMapOvr>
+    <a:masterClrMapping/>
+  </p:clrMapOvr>
+  <mc:AlternateContent xmlns:mc="http://schemas.openxmlformats.org/markup-compatibility/2006">
+    <mc:Choice xmlns:p159="http://schemas.microsoft.com/office/powerpoint/2015/09/main" xmlns:p14="http://schemas.microsoft.com/office/powerpoint/2010/main" Requires="p159">
+      <p:transition p14:dur="2000" advClick="1"/>
+    </mc:Choice>
+    <mc:Fallback>
+      <p:transition advClick="1"/>
+    </mc:Fallback>
+  </mc:AlternateContent>
+</p:sld>
+</file>
+
+<file path=ppt/slides/slide7.xml><?xml version="1.0" encoding="utf-8"?>
+<p:sld xmlns:a="http://schemas.openxmlformats.org/drawingml/2006/main" xmlns:r="http://schemas.openxmlformats.org/officeDocument/2006/relationships" xmlns:p="http://schemas.openxmlformats.org/presentationml/2006/main" xmlns:m="http://schemas.openxmlformats.org/officeDocument/2006/math" xmlns:w="http://schemas.openxmlformats.org/wordprocessingml/2006/main" xmlns:mc="http://schemas.openxmlformats.org/markup-compatibility/2006" showMasterPhAnim="0" showMasterSp="1" show="1">
+  <p:cSld name="">
+    <p:bg>
+      <p:bgPr shadeToTitle="0">
+        <a:solidFill>
+          <a:srgbClr val="3D3028"/>
+        </a:solidFill>
+      </p:bgPr>
+    </p:bg>
+    <p:spTree>
+      <p:nvGrpSpPr>
+        <p:cNvPr id="1" name=""/>
+        <p:cNvGrpSpPr/>
+        <p:nvPr/>
+      </p:nvGrpSpPr>
+      <p:grpSpPr bwMode="auto">
+        <a:xfrm>
+          <a:off x="0" y="0"/>
+          <a:ext cx="0" cy="0"/>
+          <a:chOff x="0" y="0"/>
+          <a:chExt cx="0" cy="0"/>
+        </a:xfrm>
+      </p:grpSpPr>
+      <p:sp>
+        <p:nvSpPr>
+          <p:cNvPr id="878614669" name="Title 1"/>
+          <p:cNvSpPr>
+            <a:spLocks noGrp="1"/>
+          </p:cNvSpPr>
+          <p:nvPr>
+            <p:ph type="title"/>
+          </p:nvPr>
+        </p:nvSpPr>
+        <p:spPr bwMode="auto"/>
+        <p:txBody>
+          <a:bodyPr/>
+          <a:lstStyle/>
+          <a:p>
+            <a:pPr algn="l">
+              <a:lnSpc>
+                <a:spcPct val="100000"/>
+              </a:lnSpc>
+              <a:defRPr/>
+            </a:pPr>
+            <a:r>
+              <a:rPr lang="en-US" sz="4400" b="0" i="0" u="sng" strike="noStrike" cap="none" spc="0">
+                <a:solidFill>
+                  <a:schemeClr val="accent4">
+                    <a:lumMod val="40000"/>
+                    <a:lumOff val="60000"/>
+                  </a:schemeClr>
+                </a:solidFill>
+                <a:latin typeface="Open Sans"/>
+                <a:ea typeface="Open Sans"/>
+                <a:cs typeface="Open Sans"/>
+              </a:rPr>
+              <a:t>Cascade </a:t>
+            </a:r>
+            <a:r>
+              <a:rPr lang="en-US" sz="4400" b="0" i="0" u="sng" strike="noStrike" cap="none" spc="0">
+                <a:solidFill>
+                  <a:schemeClr val="bg1">
+                    <a:lumMod val="95000"/>
+                  </a:schemeClr>
+                </a:solidFill>
+                <a:latin typeface="Open Sans"/>
+                <a:ea typeface="Open Sans"/>
+                <a:cs typeface="Open Sans"/>
+              </a:rPr>
+              <a:t>in CSS</a:t>
+            </a:r>
+            <a:r>
+              <a:rPr sz="4400" u="sng">
+                <a:solidFill>
+                  <a:schemeClr val="accent4">
+                    <a:lumMod val="40000"/>
+                    <a:lumOff val="60000"/>
+                  </a:schemeClr>
+                </a:solidFill>
+                <a:latin typeface="Open Sans"/>
+                <a:cs typeface="Open Sans"/>
+              </a:rPr>
+              <a:t> </a:t>
+            </a:r>
+            <a:endParaRPr sz="4400" u="sng">
+              <a:solidFill>
+                <a:schemeClr val="bg1">
+                  <a:lumMod val="95000"/>
+                </a:schemeClr>
+              </a:solidFill>
+              <a:latin typeface="Open Sans"/>
+              <a:cs typeface="Open Sans"/>
+            </a:endParaRPr>
+          </a:p>
+        </p:txBody>
+      </p:sp>
+      <p:sp>
+        <p:nvSpPr>
           <p:cNvPr id="1106830154" name="Content Placeholder 2"/>
+          <p:cNvSpPr>
+            <a:spLocks noGrp="1"/>
+          </p:cNvSpPr>
+          <p:nvPr/>
+        </p:nvSpPr>
+        <p:spPr bwMode="auto">
+          <a:xfrm>
+            <a:off x="782166" y="1769591"/>
+            <a:ext cx="10515600" cy="4351338"/>
+          </a:xfrm>
+        </p:spPr>
+        <p:txBody>
+          <a:bodyPr vert="horz" lIns="91440" tIns="45720" rIns="91440" bIns="45720" rtlCol="0">
+            <a:normAutofit/>
+          </a:bodyPr>
+          <a:lstStyle>
+            <a:lvl1pPr marL="0" indent="0" algn="ctr" defTabSz="914400">
+              <a:lnSpc>
+                <a:spcPct val="90000"/>
+              </a:lnSpc>
+              <a:spcBef>
+                <a:spcPts val="996"/>
+              </a:spcBef>
+              <a:buFont typeface="Arial"/>
+              <a:buNone/>
+              <a:defRPr sz="2400">
+                <a:solidFill>
+                  <a:schemeClr val="tx1"/>
+                </a:solidFill>
+                <a:latin typeface="+mn-lt"/>
+                <a:ea typeface="+mn-ea"/>
+                <a:cs typeface="+mn-cs"/>
+              </a:defRPr>
+            </a:lvl1pPr>
+            <a:lvl2pPr marL="457200" indent="0" algn="ctr" defTabSz="914400">
+              <a:lnSpc>
+                <a:spcPct val="90000"/>
+              </a:lnSpc>
+              <a:spcBef>
+                <a:spcPts val="496"/>
+              </a:spcBef>
+              <a:buFont typeface="Arial"/>
+              <a:buNone/>
+              <a:defRPr sz="2000">
+                <a:solidFill>
+                  <a:schemeClr val="tx1"/>
+                </a:solidFill>
+                <a:latin typeface="+mn-lt"/>
+                <a:ea typeface="+mn-ea"/>
+                <a:cs typeface="+mn-cs"/>
+              </a:defRPr>
+            </a:lvl2pPr>
+            <a:lvl3pPr marL="914400" indent="0" algn="ctr" defTabSz="914400">
+              <a:lnSpc>
+                <a:spcPct val="90000"/>
+              </a:lnSpc>
+              <a:spcBef>
+                <a:spcPts val="496"/>
+              </a:spcBef>
+              <a:buFont typeface="Arial"/>
+              <a:buNone/>
+              <a:defRPr sz="1800">
+                <a:solidFill>
+                  <a:schemeClr val="tx1"/>
+                </a:solidFill>
+                <a:latin typeface="+mn-lt"/>
+                <a:ea typeface="+mn-ea"/>
+                <a:cs typeface="+mn-cs"/>
+              </a:defRPr>
+            </a:lvl3pPr>
+            <a:lvl4pPr marL="1371600" indent="0" algn="ctr" defTabSz="914400">
+              <a:lnSpc>
+                <a:spcPct val="90000"/>
+              </a:lnSpc>
+              <a:spcBef>
+                <a:spcPts val="496"/>
+              </a:spcBef>
+              <a:buFont typeface="Arial"/>
+              <a:buNone/>
+              <a:defRPr sz="1600">
+                <a:solidFill>
+                  <a:schemeClr val="tx1"/>
+                </a:solidFill>
+                <a:latin typeface="+mn-lt"/>
+                <a:ea typeface="+mn-ea"/>
+                <a:cs typeface="+mn-cs"/>
+              </a:defRPr>
+            </a:lvl4pPr>
+            <a:lvl5pPr marL="1828800" indent="0" algn="ctr" defTabSz="914400">
+              <a:lnSpc>
+                <a:spcPct val="90000"/>
+              </a:lnSpc>
+              <a:spcBef>
+                <a:spcPts val="496"/>
+              </a:spcBef>
+              <a:buFont typeface="Arial"/>
+              <a:buNone/>
+              <a:defRPr sz="1600">
+                <a:solidFill>
+                  <a:schemeClr val="tx1"/>
+                </a:solidFill>
+                <a:latin typeface="+mn-lt"/>
+                <a:ea typeface="+mn-ea"/>
+                <a:cs typeface="+mn-cs"/>
+              </a:defRPr>
+            </a:lvl5pPr>
+            <a:lvl6pPr marL="2286000" indent="0" algn="ctr" defTabSz="914400">
+              <a:lnSpc>
+                <a:spcPct val="90000"/>
+              </a:lnSpc>
+              <a:spcBef>
+                <a:spcPts val="496"/>
+              </a:spcBef>
+              <a:buFont typeface="Arial"/>
+              <a:buNone/>
+              <a:defRPr sz="1600">
+                <a:solidFill>
+                  <a:schemeClr val="tx1"/>
+                </a:solidFill>
+                <a:latin typeface="+mn-lt"/>
+                <a:ea typeface="+mn-ea"/>
+                <a:cs typeface="+mn-cs"/>
+              </a:defRPr>
+            </a:lvl6pPr>
+            <a:lvl7pPr marL="2743200" indent="0" algn="ctr" defTabSz="914400">
+              <a:lnSpc>
+                <a:spcPct val="90000"/>
+              </a:lnSpc>
+              <a:spcBef>
+                <a:spcPts val="496"/>
+              </a:spcBef>
+              <a:buFont typeface="Arial"/>
+              <a:buNone/>
+              <a:defRPr sz="1600">
+                <a:solidFill>
+                  <a:schemeClr val="tx1"/>
+                </a:solidFill>
+                <a:latin typeface="+mn-lt"/>
+                <a:ea typeface="+mn-ea"/>
+                <a:cs typeface="+mn-cs"/>
+              </a:defRPr>
+            </a:lvl7pPr>
+            <a:lvl8pPr marL="3200400" indent="0" algn="ctr" defTabSz="914400">
+              <a:lnSpc>
+                <a:spcPct val="90000"/>
+              </a:lnSpc>
+              <a:spcBef>
+                <a:spcPts val="496"/>
+              </a:spcBef>
+              <a:buFont typeface="Arial"/>
+              <a:buNone/>
+              <a:defRPr sz="1600">
+                <a:solidFill>
+                  <a:schemeClr val="tx1"/>
+                </a:solidFill>
+                <a:latin typeface="+mn-lt"/>
+                <a:ea typeface="+mn-ea"/>
+                <a:cs typeface="+mn-cs"/>
+              </a:defRPr>
+            </a:lvl8pPr>
+            <a:lvl9pPr marL="3657600" indent="0" algn="ctr" defTabSz="914400">
+              <a:lnSpc>
+                <a:spcPct val="90000"/>
+              </a:lnSpc>
+              <a:spcBef>
+                <a:spcPts val="496"/>
+              </a:spcBef>
+              <a:buFont typeface="Arial"/>
+              <a:buNone/>
+              <a:defRPr sz="1600">
+                <a:solidFill>
+                  <a:schemeClr val="tx1"/>
+                </a:solidFill>
+                <a:latin typeface="+mn-lt"/>
+                <a:ea typeface="+mn-ea"/>
+                <a:cs typeface="+mn-cs"/>
+              </a:defRPr>
+            </a:lvl9pPr>
+          </a:lstStyle>
+          <a:p>
+            <a:pPr marL="0" indent="0" algn="l">
+              <a:buFont typeface="Arial"/>
+              <a:buNone/>
+              <a:defRPr/>
+            </a:pPr>
+            <a:endParaRPr>
+              <a:solidFill>
+                <a:schemeClr val="bg1">
+                  <a:lumMod val="95000"/>
+                </a:schemeClr>
+              </a:solidFill>
+              <a:latin typeface="Open Sans"/>
+              <a:cs typeface="Open Sans"/>
+            </a:endParaRPr>
+          </a:p>
+        </p:txBody>
+      </p:sp>
+    </p:spTree>
+  </p:cSld>
+  <p:clrMapOvr>
+    <a:masterClrMapping/>
+  </p:clrMapOvr>
+  <mc:AlternateContent xmlns:mc="http://schemas.openxmlformats.org/markup-compatibility/2006">
+    <mc:Choice xmlns:p159="http://schemas.microsoft.com/office/powerpoint/2015/09/main" xmlns:p14="http://schemas.microsoft.com/office/powerpoint/2010/main" Requires="p159">
+      <p:transition p14:dur="2000" advClick="1"/>
+    </mc:Choice>
+    <mc:Fallback>
+      <p:transition advClick="1"/>
+    </mc:Fallback>
+  </mc:AlternateContent>
+</p:sld>
+</file>
+
+<file path=ppt/slides/slide8.xml><?xml version="1.0" encoding="utf-8"?>
+<p:sld xmlns:a="http://schemas.openxmlformats.org/drawingml/2006/main" xmlns:r="http://schemas.openxmlformats.org/officeDocument/2006/relationships" xmlns:p="http://schemas.openxmlformats.org/presentationml/2006/main" xmlns:m="http://schemas.openxmlformats.org/officeDocument/2006/math" xmlns:w="http://schemas.openxmlformats.org/wordprocessingml/2006/main" xmlns:mc="http://schemas.openxmlformats.org/markup-compatibility/2006" showMasterPhAnim="0" showMasterSp="1" show="1">
+  <p:cSld name="">
+    <p:bg>
+      <p:bgPr shadeToTitle="0">
+        <a:solidFill>
+          <a:srgbClr val="3D3028"/>
+        </a:solidFill>
+      </p:bgPr>
+    </p:bg>
+    <p:spTree>
+      <p:nvGrpSpPr>
+        <p:cNvPr id="1" name=""/>
+        <p:cNvGrpSpPr/>
+        <p:nvPr/>
+      </p:nvGrpSpPr>
+      <p:grpSpPr bwMode="auto">
+        <a:xfrm>
+          <a:off x="0" y="0"/>
+          <a:ext cx="0" cy="0"/>
+          <a:chOff x="0" y="0"/>
+          <a:chExt cx="0" cy="0"/>
+        </a:xfrm>
+      </p:grpSpPr>
+      <p:sp>
+        <p:nvSpPr>
+          <p:cNvPr id="1351498812" name="Title 1"/>
+          <p:cNvSpPr>
+            <a:spLocks noGrp="1"/>
+          </p:cNvSpPr>
+          <p:nvPr>
+            <p:ph type="title"/>
+          </p:nvPr>
+        </p:nvSpPr>
+        <p:spPr bwMode="auto"/>
+        <p:txBody>
+          <a:bodyPr/>
+          <a:lstStyle/>
+          <a:p>
+            <a:pPr algn="l">
+              <a:lnSpc>
+                <a:spcPct val="100000"/>
+              </a:lnSpc>
+              <a:defRPr/>
+            </a:pPr>
+            <a:r>
+              <a:rPr lang="en-US" sz="4400" b="0" i="0" u="sng" strike="noStrike" cap="none" spc="0">
+                <a:solidFill>
+                  <a:schemeClr val="accent4">
+                    <a:lumMod val="40000"/>
+                    <a:lumOff val="60000"/>
+                  </a:schemeClr>
+                </a:solidFill>
+                <a:latin typeface="Open Sans"/>
+                <a:ea typeface="Open Sans"/>
+                <a:cs typeface="Open Sans"/>
+              </a:rPr>
+              <a:t>Specificity</a:t>
+            </a:r>
+            <a:r>
+              <a:rPr lang="en-US" sz="4400" b="0" i="0" u="sng" strike="noStrike" cap="none" spc="0">
+                <a:solidFill>
+                  <a:schemeClr val="accent4">
+                    <a:lumMod val="40000"/>
+                    <a:lumOff val="60000"/>
+                  </a:schemeClr>
+                </a:solidFill>
+                <a:latin typeface="Open Sans"/>
+                <a:ea typeface="Open Sans"/>
+                <a:cs typeface="Open Sans"/>
+              </a:rPr>
+              <a:t> </a:t>
+            </a:r>
+            <a:r>
+              <a:rPr lang="en-US" sz="4400" b="0" i="0" u="sng" strike="noStrike" cap="none" spc="0">
+                <a:solidFill>
+                  <a:schemeClr val="bg1">
+                    <a:lumMod val="95000"/>
+                  </a:schemeClr>
+                </a:solidFill>
+                <a:latin typeface="Open Sans"/>
+                <a:ea typeface="Open Sans"/>
+                <a:cs typeface="Open Sans"/>
+              </a:rPr>
+              <a:t>in CSS</a:t>
+            </a:r>
+            <a:r>
+              <a:rPr sz="4400" u="sng">
+                <a:solidFill>
+                  <a:schemeClr val="accent4">
+                    <a:lumMod val="40000"/>
+                    <a:lumOff val="60000"/>
+                  </a:schemeClr>
+                </a:solidFill>
+                <a:latin typeface="Open Sans"/>
+                <a:cs typeface="Open Sans"/>
+              </a:rPr>
+              <a:t> </a:t>
+            </a:r>
+            <a:endParaRPr sz="4400" u="sng">
+              <a:solidFill>
+                <a:schemeClr val="bg1">
+                  <a:lumMod val="95000"/>
+                </a:schemeClr>
+              </a:solidFill>
+              <a:latin typeface="Open Sans"/>
+              <a:cs typeface="Open Sans"/>
+            </a:endParaRPr>
+          </a:p>
+        </p:txBody>
+      </p:sp>
+      <p:sp>
+        <p:nvSpPr>
+          <p:cNvPr id="890286897" name="Content Placeholder 2"/>
+          <p:cNvSpPr>
+            <a:spLocks noGrp="1"/>
+          </p:cNvSpPr>
+          <p:nvPr/>
+        </p:nvSpPr>
+        <p:spPr bwMode="auto">
+          <a:xfrm>
+            <a:off x="782166" y="1769591"/>
+            <a:ext cx="10515600" cy="4351338"/>
+          </a:xfrm>
+        </p:spPr>
+        <p:txBody>
+          <a:bodyPr vert="horz" lIns="91440" tIns="45720" rIns="91440" bIns="45720" rtlCol="0">
+            <a:normAutofit/>
+          </a:bodyPr>
+          <a:lstStyle>
+            <a:lvl1pPr marL="0" indent="0" algn="ctr" defTabSz="914400">
+              <a:lnSpc>
+                <a:spcPct val="90000"/>
+              </a:lnSpc>
+              <a:spcBef>
+                <a:spcPts val="996"/>
+              </a:spcBef>
+              <a:buFont typeface="Arial"/>
+              <a:buNone/>
+              <a:defRPr sz="2400">
+                <a:solidFill>
+                  <a:schemeClr val="tx1"/>
+                </a:solidFill>
+                <a:latin typeface="+mn-lt"/>
+                <a:ea typeface="+mn-ea"/>
+                <a:cs typeface="+mn-cs"/>
+              </a:defRPr>
+            </a:lvl1pPr>
+            <a:lvl2pPr marL="457200" indent="0" algn="ctr" defTabSz="914400">
+              <a:lnSpc>
+                <a:spcPct val="90000"/>
+              </a:lnSpc>
+              <a:spcBef>
+                <a:spcPts val="496"/>
+              </a:spcBef>
+              <a:buFont typeface="Arial"/>
+              <a:buNone/>
+              <a:defRPr sz="2000">
+                <a:solidFill>
+                  <a:schemeClr val="tx1"/>
+                </a:solidFill>
+                <a:latin typeface="+mn-lt"/>
+                <a:ea typeface="+mn-ea"/>
+                <a:cs typeface="+mn-cs"/>
+              </a:defRPr>
+            </a:lvl2pPr>
+            <a:lvl3pPr marL="914400" indent="0" algn="ctr" defTabSz="914400">
+              <a:lnSpc>
+                <a:spcPct val="90000"/>
+              </a:lnSpc>
+              <a:spcBef>
+                <a:spcPts val="496"/>
+              </a:spcBef>
+              <a:buFont typeface="Arial"/>
+              <a:buNone/>
+              <a:defRPr sz="1800">
+                <a:solidFill>
+                  <a:schemeClr val="tx1"/>
+                </a:solidFill>
+                <a:latin typeface="+mn-lt"/>
+                <a:ea typeface="+mn-ea"/>
+                <a:cs typeface="+mn-cs"/>
+              </a:defRPr>
+            </a:lvl3pPr>
+            <a:lvl4pPr marL="1371600" indent="0" algn="ctr" defTabSz="914400">
+              <a:lnSpc>
+                <a:spcPct val="90000"/>
+              </a:lnSpc>
+              <a:spcBef>
+                <a:spcPts val="496"/>
+              </a:spcBef>
+              <a:buFont typeface="Arial"/>
+              <a:buNone/>
+              <a:defRPr sz="1600">
+                <a:solidFill>
+                  <a:schemeClr val="tx1"/>
+                </a:solidFill>
+                <a:latin typeface="+mn-lt"/>
+                <a:ea typeface="+mn-ea"/>
+                <a:cs typeface="+mn-cs"/>
+              </a:defRPr>
+            </a:lvl4pPr>
+            <a:lvl5pPr marL="1828800" indent="0" algn="ctr" defTabSz="914400">
+              <a:lnSpc>
+                <a:spcPct val="90000"/>
+              </a:lnSpc>
+              <a:spcBef>
+                <a:spcPts val="496"/>
+              </a:spcBef>
+              <a:buFont typeface="Arial"/>
+              <a:buNone/>
+              <a:defRPr sz="1600">
+                <a:solidFill>
+                  <a:schemeClr val="tx1"/>
+                </a:solidFill>
+                <a:latin typeface="+mn-lt"/>
+                <a:ea typeface="+mn-ea"/>
+                <a:cs typeface="+mn-cs"/>
+              </a:defRPr>
+            </a:lvl5pPr>
+            <a:lvl6pPr marL="2286000" indent="0" algn="ctr" defTabSz="914400">
+              <a:lnSpc>
+                <a:spcPct val="90000"/>
+              </a:lnSpc>
+              <a:spcBef>
+                <a:spcPts val="496"/>
+              </a:spcBef>
+              <a:buFont typeface="Arial"/>
+              <a:buNone/>
+              <a:defRPr sz="1600">
+                <a:solidFill>
+                  <a:schemeClr val="tx1"/>
+                </a:solidFill>
+                <a:latin typeface="+mn-lt"/>
+                <a:ea typeface="+mn-ea"/>
+                <a:cs typeface="+mn-cs"/>
+              </a:defRPr>
+            </a:lvl6pPr>
+            <a:lvl7pPr marL="2743200" indent="0" algn="ctr" defTabSz="914400">
+              <a:lnSpc>
+                <a:spcPct val="90000"/>
+              </a:lnSpc>
+              <a:spcBef>
+                <a:spcPts val="496"/>
+              </a:spcBef>
+              <a:buFont typeface="Arial"/>
+              <a:buNone/>
+              <a:defRPr sz="1600">
+                <a:solidFill>
+                  <a:schemeClr val="tx1"/>
+                </a:solidFill>
+                <a:latin typeface="+mn-lt"/>
+                <a:ea typeface="+mn-ea"/>
+                <a:cs typeface="+mn-cs"/>
+              </a:defRPr>
+            </a:lvl7pPr>
+            <a:lvl8pPr marL="3200400" indent="0" algn="ctr" defTabSz="914400">
+              <a:lnSpc>
+                <a:spcPct val="90000"/>
+              </a:lnSpc>
+              <a:spcBef>
+                <a:spcPts val="496"/>
+              </a:spcBef>
+              <a:buFont typeface="Arial"/>
+              <a:buNone/>
+              <a:defRPr sz="1600">
+                <a:solidFill>
+                  <a:schemeClr val="tx1"/>
+                </a:solidFill>
+                <a:latin typeface="+mn-lt"/>
+                <a:ea typeface="+mn-ea"/>
+                <a:cs typeface="+mn-cs"/>
+              </a:defRPr>
+            </a:lvl8pPr>
+            <a:lvl9pPr marL="3657600" indent="0" algn="ctr" defTabSz="914400">
+              <a:lnSpc>
+                <a:spcPct val="90000"/>
+              </a:lnSpc>
+              <a:spcBef>
+                <a:spcPts val="496"/>
+              </a:spcBef>
+              <a:buFont typeface="Arial"/>
+              <a:buNone/>
+              <a:defRPr sz="1600">
+                <a:solidFill>
+                  <a:schemeClr val="tx1"/>
+                </a:solidFill>
+                <a:latin typeface="+mn-lt"/>
+                <a:ea typeface="+mn-ea"/>
+                <a:cs typeface="+mn-cs"/>
+              </a:defRPr>
+            </a:lvl9pPr>
+          </a:lstStyle>
+          <a:p>
+            <a:pPr marL="0" indent="0" algn="l">
+              <a:buFont typeface="Arial"/>
+              <a:buNone/>
+              <a:defRPr/>
+            </a:pPr>
+            <a:endParaRPr>
+              <a:solidFill>
+                <a:schemeClr val="bg1">
+                  <a:lumMod val="95000"/>
+                </a:schemeClr>
+              </a:solidFill>
+              <a:latin typeface="Open Sans"/>
+              <a:cs typeface="Open Sans"/>
+            </a:endParaRPr>
+          </a:p>
+        </p:txBody>
+      </p:sp>
+    </p:spTree>
+  </p:cSld>
+  <p:clrMapOvr>
+    <a:masterClrMapping/>
+  </p:clrMapOvr>
+  <mc:AlternateContent xmlns:mc="http://schemas.openxmlformats.org/markup-compatibility/2006">
+    <mc:Choice xmlns:p159="http://schemas.microsoft.com/office/powerpoint/2015/09/main" xmlns:p14="http://schemas.microsoft.com/office/powerpoint/2010/main" Requires="p159">
+      <p:transition p14:dur="2000" advClick="1"/>
+    </mc:Choice>
+    <mc:Fallback>
+      <p:transition advClick="1"/>
+    </mc:Fallback>
+  </mc:AlternateContent>
+</p:sld>
+</file>
+
+<file path=ppt/slides/slide9.xml><?xml version="1.0" encoding="utf-8"?>
+<p:sld xmlns:a="http://schemas.openxmlformats.org/drawingml/2006/main" xmlns:r="http://schemas.openxmlformats.org/officeDocument/2006/relationships" xmlns:p="http://schemas.openxmlformats.org/presentationml/2006/main" xmlns:m="http://schemas.openxmlformats.org/officeDocument/2006/math" xmlns:w="http://schemas.openxmlformats.org/wordprocessingml/2006/main" xmlns:mc="http://schemas.openxmlformats.org/markup-compatibility/2006" showMasterPhAnim="0" showMasterSp="1" show="1">
+  <p:cSld name="">
+    <p:bg>
+      <p:bgPr shadeToTitle="0">
+        <a:solidFill>
+          <a:srgbClr val="3D3028"/>
+        </a:solidFill>
+      </p:bgPr>
+    </p:bg>
+    <p:spTree>
+      <p:nvGrpSpPr>
+        <p:cNvPr id="1" name=""/>
+        <p:cNvGrpSpPr/>
+        <p:nvPr/>
+      </p:nvGrpSpPr>
+      <p:grpSpPr bwMode="auto">
+        <a:xfrm>
+          <a:off x="0" y="0"/>
+          <a:ext cx="0" cy="0"/>
+          <a:chOff x="0" y="0"/>
+          <a:chExt cx="0" cy="0"/>
+        </a:xfrm>
+      </p:grpSpPr>
+      <p:sp>
+        <p:nvSpPr>
+          <p:cNvPr id="2001025976" name="Title 1"/>
+          <p:cNvSpPr>
+            <a:spLocks noGrp="1"/>
+          </p:cNvSpPr>
+          <p:nvPr>
+            <p:ph type="title"/>
+          </p:nvPr>
+        </p:nvSpPr>
+        <p:spPr bwMode="auto"/>
+        <p:txBody>
+          <a:bodyPr/>
+          <a:lstStyle/>
+          <a:p>
+            <a:pPr algn="l">
+              <a:lnSpc>
+                <a:spcPct val="100000"/>
+              </a:lnSpc>
+              <a:defRPr/>
+            </a:pPr>
+            <a:r>
+              <a:rPr sz="4400" u="sng">
+                <a:solidFill>
+                  <a:schemeClr val="bg1">
+                    <a:lumMod val="95000"/>
+                  </a:schemeClr>
+                </a:solidFill>
+                <a:latin typeface="Open Sans"/>
+                <a:cs typeface="Open Sans"/>
+              </a:rPr>
+              <a:t>CSS</a:t>
+            </a:r>
+            <a:r>
+              <a:rPr sz="4400" u="sng">
+                <a:solidFill>
+                  <a:schemeClr val="accent4">
+                    <a:lumMod val="40000"/>
+                    <a:lumOff val="60000"/>
+                  </a:schemeClr>
+                </a:solidFill>
+                <a:latin typeface="Open Sans"/>
+                <a:cs typeface="Open Sans"/>
+              </a:rPr>
+              <a:t> Inheritance</a:t>
+            </a:r>
+            <a:endParaRPr sz="4400" u="sng">
+              <a:solidFill>
+                <a:schemeClr val="bg1">
+                  <a:lumMod val="95000"/>
+                </a:schemeClr>
+              </a:solidFill>
+              <a:latin typeface="Open Sans"/>
+              <a:cs typeface="Open Sans"/>
+            </a:endParaRPr>
+          </a:p>
+        </p:txBody>
+      </p:sp>
+      <p:sp>
+        <p:nvSpPr>
+          <p:cNvPr id="2054005865" name="Content Placeholder 2"/>
           <p:cNvSpPr>
             <a:spLocks noGrp="1"/>
           </p:cNvSpPr>

--- a/002Introduction to css.pptx
+++ b/002Introduction to css.pptx
@@ -4809,7 +4809,7 @@
         </p:nvSpPr>
         <p:spPr bwMode="auto">
           <a:xfrm>
-            <a:off x="782166" y="1769591"/>
+            <a:off x="782165" y="1769591"/>
             <a:ext cx="10515600" cy="4351338"/>
           </a:xfrm>
         </p:spPr>
@@ -5108,7 +5108,7 @@
         </p:nvSpPr>
         <p:spPr bwMode="auto">
           <a:xfrm>
-            <a:off x="782166" y="1769591"/>
+            <a:off x="782165" y="1769591"/>
             <a:ext cx="10515600" cy="4351338"/>
           </a:xfrm>
         </p:spPr>
@@ -5563,7 +5563,7 @@
         </p:nvSpPr>
         <p:spPr bwMode="auto">
           <a:xfrm>
-            <a:off x="782166" y="1769591"/>
+            <a:off x="782165" y="1769591"/>
             <a:ext cx="10515600" cy="4351338"/>
           </a:xfrm>
         </p:spPr>
@@ -6019,7 +6019,7 @@
         </p:nvSpPr>
         <p:spPr bwMode="auto">
           <a:xfrm>
-            <a:off x="782166" y="1769591"/>
+            <a:off x="782165" y="1769591"/>
             <a:ext cx="10515600" cy="4351338"/>
           </a:xfrm>
         </p:spPr>
@@ -6329,7 +6329,7 @@
         </p:nvSpPr>
         <p:spPr bwMode="auto">
           <a:xfrm>
-            <a:off x="782166" y="1769591"/>
+            <a:off x="782165" y="1769591"/>
             <a:ext cx="10515600" cy="4351338"/>
           </a:xfrm>
         </p:spPr>
@@ -6642,7 +6642,7 @@
         </p:nvSpPr>
         <p:spPr bwMode="auto">
           <a:xfrm>
-            <a:off x="782166" y="1769591"/>
+            <a:off x="782165" y="1769591"/>
             <a:ext cx="10515600" cy="4351338"/>
           </a:xfrm>
         </p:spPr>
@@ -6969,7 +6969,7 @@
         </p:nvSpPr>
         <p:spPr bwMode="auto">
           <a:xfrm>
-            <a:off x="782166" y="1769591"/>
+            <a:off x="782165" y="1769591"/>
             <a:ext cx="10515600" cy="4351338"/>
           </a:xfrm>
         </p:spPr>
@@ -7267,7 +7267,7 @@
         </p:nvSpPr>
         <p:spPr bwMode="auto">
           <a:xfrm>
-            <a:off x="782166" y="1769591"/>
+            <a:off x="782165" y="1769591"/>
             <a:ext cx="10515600" cy="4351338"/>
           </a:xfrm>
         </p:spPr>
